--- a/04-CrMagOpt/Pictures/Antiferro-Mn.pptx
+++ b/04-CrMagOpt/Pictures/Antiferro-Mn.pptx
@@ -7,7 +7,7 @@
   <p:sldIdLst>
     <p:sldId id="256" r:id="rId2"/>
   </p:sldIdLst>
-  <p:sldSz cx="5797550" cy="6948488"/>
+  <p:sldSz cx="5832475" cy="6948488"/>
   <p:notesSz cx="6858000" cy="9144000"/>
   <p:defaultTextStyle>
     <a:defPPr>
@@ -136,8 +136,8 @@
         </p:nvSpPr>
         <p:spPr>
           <a:xfrm>
-            <a:off x="434818" y="2158542"/>
-            <a:ext cx="4927917" cy="1489421"/>
+            <a:off x="437438" y="2158543"/>
+            <a:ext cx="4957603" cy="1489421"/>
           </a:xfrm>
         </p:spPr>
         <p:txBody>
@@ -164,8 +164,8 @@
         </p:nvSpPr>
         <p:spPr>
           <a:xfrm>
-            <a:off x="869634" y="3937483"/>
-            <a:ext cx="4058285" cy="1775725"/>
+            <a:off x="874873" y="3937484"/>
+            <a:ext cx="4082733" cy="1775725"/>
           </a:xfrm>
         </p:spPr>
         <p:txBody>
@@ -288,7 +288,7 @@
           <a:p>
             <a:fld id="{DDDBA8FD-0BE8-4236-A661-54A1E3FD23D6}" type="datetimeFigureOut">
               <a:rPr lang="fr-FR" smtClean="0"/>
-              <a:t>26/06/2017</a:t>
+              <a:t>29/06/2017</a:t>
             </a:fld>
             <a:endParaRPr lang="fr-FR"/>
           </a:p>
@@ -458,7 +458,7 @@
           <a:p>
             <a:fld id="{DDDBA8FD-0BE8-4236-A661-54A1E3FD23D6}" type="datetimeFigureOut">
               <a:rPr lang="fr-FR" smtClean="0"/>
-              <a:t>26/06/2017</a:t>
+              <a:t>29/06/2017</a:t>
             </a:fld>
             <a:endParaRPr lang="fr-FR"/>
           </a:p>
@@ -548,8 +548,8 @@
         </p:nvSpPr>
         <p:spPr>
           <a:xfrm>
-            <a:off x="4203224" y="284702"/>
-            <a:ext cx="1304449" cy="6070277"/>
+            <a:off x="4228545" y="284703"/>
+            <a:ext cx="1312307" cy="6070277"/>
           </a:xfrm>
         </p:spPr>
         <p:txBody>
@@ -576,8 +576,8 @@
         </p:nvSpPr>
         <p:spPr>
           <a:xfrm>
-            <a:off x="289878" y="284702"/>
-            <a:ext cx="3816720" cy="6070277"/>
+            <a:off x="291624" y="284703"/>
+            <a:ext cx="3839712" cy="6070277"/>
           </a:xfrm>
         </p:spPr>
         <p:txBody>
@@ -638,7 +638,7 @@
           <a:p>
             <a:fld id="{DDDBA8FD-0BE8-4236-A661-54A1E3FD23D6}" type="datetimeFigureOut">
               <a:rPr lang="fr-FR" smtClean="0"/>
-              <a:t>26/06/2017</a:t>
+              <a:t>29/06/2017</a:t>
             </a:fld>
             <a:endParaRPr lang="fr-FR"/>
           </a:p>
@@ -808,7 +808,7 @@
           <a:p>
             <a:fld id="{DDDBA8FD-0BE8-4236-A661-54A1E3FD23D6}" type="datetimeFigureOut">
               <a:rPr lang="fr-FR" smtClean="0"/>
-              <a:t>26/06/2017</a:t>
+              <a:t>29/06/2017</a:t>
             </a:fld>
             <a:endParaRPr lang="fr-FR"/>
           </a:p>
@@ -898,8 +898,8 @@
         </p:nvSpPr>
         <p:spPr>
           <a:xfrm>
-            <a:off x="457966" y="4465048"/>
-            <a:ext cx="4927917" cy="1380046"/>
+            <a:off x="460725" y="4465048"/>
+            <a:ext cx="4957603" cy="1380046"/>
           </a:xfrm>
         </p:spPr>
         <p:txBody>
@@ -930,8 +930,8 @@
         </p:nvSpPr>
         <p:spPr>
           <a:xfrm>
-            <a:off x="457966" y="2945074"/>
-            <a:ext cx="4927917" cy="1519981"/>
+            <a:off x="460725" y="2945075"/>
+            <a:ext cx="4957603" cy="1519981"/>
           </a:xfrm>
         </p:spPr>
         <p:txBody>
@@ -1054,7 +1054,7 @@
           <a:p>
             <a:fld id="{DDDBA8FD-0BE8-4236-A661-54A1E3FD23D6}" type="datetimeFigureOut">
               <a:rPr lang="fr-FR" smtClean="0"/>
-              <a:t>26/06/2017</a:t>
+              <a:t>29/06/2017</a:t>
             </a:fld>
             <a:endParaRPr lang="fr-FR"/>
           </a:p>
@@ -1167,8 +1167,8 @@
         </p:nvSpPr>
         <p:spPr>
           <a:xfrm>
-            <a:off x="289878" y="1659920"/>
-            <a:ext cx="2560584" cy="4695055"/>
+            <a:off x="291624" y="1659920"/>
+            <a:ext cx="2576009" cy="4695055"/>
           </a:xfrm>
         </p:spPr>
         <p:txBody>
@@ -1252,8 +1252,8 @@
         </p:nvSpPr>
         <p:spPr>
           <a:xfrm>
-            <a:off x="2947088" y="1659920"/>
-            <a:ext cx="2560584" cy="4695055"/>
+            <a:off x="2964842" y="1659920"/>
+            <a:ext cx="2576009" cy="4695055"/>
           </a:xfrm>
         </p:spPr>
         <p:txBody>
@@ -1342,7 +1342,7 @@
           <a:p>
             <a:fld id="{DDDBA8FD-0BE8-4236-A661-54A1E3FD23D6}" type="datetimeFigureOut">
               <a:rPr lang="fr-FR" smtClean="0"/>
-              <a:t>26/06/2017</a:t>
+              <a:t>29/06/2017</a:t>
             </a:fld>
             <a:endParaRPr lang="fr-FR"/>
           </a:p>
@@ -1432,8 +1432,8 @@
         </p:nvSpPr>
         <p:spPr>
           <a:xfrm>
-            <a:off x="289879" y="278262"/>
-            <a:ext cx="5217795" cy="1158082"/>
+            <a:off x="291626" y="278262"/>
+            <a:ext cx="5249228" cy="1158082"/>
           </a:xfrm>
         </p:spPr>
         <p:txBody>
@@ -1464,8 +1464,8 @@
         </p:nvSpPr>
         <p:spPr>
           <a:xfrm>
-            <a:off x="289879" y="1555368"/>
-            <a:ext cx="2561591" cy="648204"/>
+            <a:off x="291626" y="1555368"/>
+            <a:ext cx="2577022" cy="648204"/>
           </a:xfrm>
         </p:spPr>
         <p:txBody>
@@ -1529,8 +1529,8 @@
         </p:nvSpPr>
         <p:spPr>
           <a:xfrm>
-            <a:off x="289879" y="2203578"/>
-            <a:ext cx="2561591" cy="4003423"/>
+            <a:off x="291626" y="2203579"/>
+            <a:ext cx="2577022" cy="4003423"/>
           </a:xfrm>
         </p:spPr>
         <p:txBody>
@@ -1614,8 +1614,8 @@
         </p:nvSpPr>
         <p:spPr>
           <a:xfrm>
-            <a:off x="2945078" y="1555368"/>
-            <a:ext cx="2562598" cy="648204"/>
+            <a:off x="2962820" y="1555368"/>
+            <a:ext cx="2578035" cy="648204"/>
           </a:xfrm>
         </p:spPr>
         <p:txBody>
@@ -1679,8 +1679,8 @@
         </p:nvSpPr>
         <p:spPr>
           <a:xfrm>
-            <a:off x="2945078" y="2203578"/>
-            <a:ext cx="2562598" cy="4003423"/>
+            <a:off x="2962820" y="2203579"/>
+            <a:ext cx="2578035" cy="4003423"/>
           </a:xfrm>
         </p:spPr>
         <p:txBody>
@@ -1769,7 +1769,7 @@
           <a:p>
             <a:fld id="{DDDBA8FD-0BE8-4236-A661-54A1E3FD23D6}" type="datetimeFigureOut">
               <a:rPr lang="fr-FR" smtClean="0"/>
-              <a:t>26/06/2017</a:t>
+              <a:t>29/06/2017</a:t>
             </a:fld>
             <a:endParaRPr lang="fr-FR"/>
           </a:p>
@@ -1887,7 +1887,7 @@
           <a:p>
             <a:fld id="{DDDBA8FD-0BE8-4236-A661-54A1E3FD23D6}" type="datetimeFigureOut">
               <a:rPr lang="fr-FR" smtClean="0"/>
-              <a:t>26/06/2017</a:t>
+              <a:t>29/06/2017</a:t>
             </a:fld>
             <a:endParaRPr lang="fr-FR"/>
           </a:p>
@@ -1982,7 +1982,7 @@
           <a:p>
             <a:fld id="{DDDBA8FD-0BE8-4236-A661-54A1E3FD23D6}" type="datetimeFigureOut">
               <a:rPr lang="fr-FR" smtClean="0"/>
-              <a:t>26/06/2017</a:t>
+              <a:t>29/06/2017</a:t>
             </a:fld>
             <a:endParaRPr lang="fr-FR"/>
           </a:p>
@@ -2072,8 +2072,8 @@
         </p:nvSpPr>
         <p:spPr>
           <a:xfrm>
-            <a:off x="289880" y="276653"/>
-            <a:ext cx="1907354" cy="1177382"/>
+            <a:off x="291626" y="276653"/>
+            <a:ext cx="1918844" cy="1177382"/>
           </a:xfrm>
         </p:spPr>
         <p:txBody>
@@ -2104,8 +2104,8 @@
         </p:nvSpPr>
         <p:spPr>
           <a:xfrm>
-            <a:off x="2266681" y="276654"/>
-            <a:ext cx="3240991" cy="5930342"/>
+            <a:off x="2280336" y="276654"/>
+            <a:ext cx="3260515" cy="5930342"/>
           </a:xfrm>
         </p:spPr>
         <p:txBody>
@@ -2189,8 +2189,8 @@
         </p:nvSpPr>
         <p:spPr>
           <a:xfrm>
-            <a:off x="289880" y="1454041"/>
-            <a:ext cx="1907354" cy="4752959"/>
+            <a:off x="291626" y="1454042"/>
+            <a:ext cx="1918844" cy="4752959"/>
           </a:xfrm>
         </p:spPr>
         <p:txBody>
@@ -2259,7 +2259,7 @@
           <a:p>
             <a:fld id="{DDDBA8FD-0BE8-4236-A661-54A1E3FD23D6}" type="datetimeFigureOut">
               <a:rPr lang="fr-FR" smtClean="0"/>
-              <a:t>26/06/2017</a:t>
+              <a:t>29/06/2017</a:t>
             </a:fld>
             <a:endParaRPr lang="fr-FR"/>
           </a:p>
@@ -2349,8 +2349,8 @@
         </p:nvSpPr>
         <p:spPr>
           <a:xfrm>
-            <a:off x="1136361" y="4863947"/>
-            <a:ext cx="3478530" cy="574217"/>
+            <a:off x="1143207" y="4863948"/>
+            <a:ext cx="3499485" cy="574217"/>
           </a:xfrm>
         </p:spPr>
         <p:txBody>
@@ -2381,8 +2381,8 @@
         </p:nvSpPr>
         <p:spPr>
           <a:xfrm>
-            <a:off x="1136361" y="620866"/>
-            <a:ext cx="3478530" cy="4169093"/>
+            <a:off x="1143207" y="620867"/>
+            <a:ext cx="3499485" cy="4169093"/>
           </a:xfrm>
         </p:spPr>
         <p:txBody>
@@ -2442,8 +2442,8 @@
         </p:nvSpPr>
         <p:spPr>
           <a:xfrm>
-            <a:off x="1136361" y="5438158"/>
-            <a:ext cx="3478530" cy="815482"/>
+            <a:off x="1143207" y="5438158"/>
+            <a:ext cx="3499485" cy="815482"/>
           </a:xfrm>
         </p:spPr>
         <p:txBody>
@@ -2512,7 +2512,7 @@
           <a:p>
             <a:fld id="{DDDBA8FD-0BE8-4236-A661-54A1E3FD23D6}" type="datetimeFigureOut">
               <a:rPr lang="fr-FR" smtClean="0"/>
-              <a:t>26/06/2017</a:t>
+              <a:t>29/06/2017</a:t>
             </a:fld>
             <a:endParaRPr lang="fr-FR"/>
           </a:p>
@@ -2607,8 +2607,8 @@
         </p:nvSpPr>
         <p:spPr>
           <a:xfrm>
-            <a:off x="289879" y="278262"/>
-            <a:ext cx="5217795" cy="1158082"/>
+            <a:off x="291626" y="278262"/>
+            <a:ext cx="5249228" cy="1158082"/>
           </a:xfrm>
           <a:prstGeom prst="rect">
             <a:avLst/>
@@ -2640,8 +2640,8 @@
         </p:nvSpPr>
         <p:spPr>
           <a:xfrm>
-            <a:off x="289879" y="1621321"/>
-            <a:ext cx="5217795" cy="4585681"/>
+            <a:off x="291626" y="1621322"/>
+            <a:ext cx="5249228" cy="4585681"/>
           </a:xfrm>
           <a:prstGeom prst="rect">
             <a:avLst/>
@@ -2702,8 +2702,8 @@
         </p:nvSpPr>
         <p:spPr>
           <a:xfrm>
-            <a:off x="289879" y="6440226"/>
-            <a:ext cx="1352762" cy="369943"/>
+            <a:off x="291625" y="6440227"/>
+            <a:ext cx="1360911" cy="369943"/>
           </a:xfrm>
           <a:prstGeom prst="rect">
             <a:avLst/>
@@ -2725,7 +2725,7 @@
           <a:p>
             <a:fld id="{DDDBA8FD-0BE8-4236-A661-54A1E3FD23D6}" type="datetimeFigureOut">
               <a:rPr lang="fr-FR" smtClean="0"/>
-              <a:t>26/06/2017</a:t>
+              <a:t>29/06/2017</a:t>
             </a:fld>
             <a:endParaRPr lang="fr-FR"/>
           </a:p>
@@ -2743,8 +2743,8 @@
         </p:nvSpPr>
         <p:spPr>
           <a:xfrm>
-            <a:off x="1980831" y="6440226"/>
-            <a:ext cx="1835891" cy="369943"/>
+            <a:off x="1992764" y="6440227"/>
+            <a:ext cx="1846951" cy="369943"/>
           </a:xfrm>
           <a:prstGeom prst="rect">
             <a:avLst/>
@@ -2780,8 +2780,8 @@
         </p:nvSpPr>
         <p:spPr>
           <a:xfrm>
-            <a:off x="4154912" y="6440226"/>
-            <a:ext cx="1352762" cy="369943"/>
+            <a:off x="4179942" y="6440227"/>
+            <a:ext cx="1360911" cy="369943"/>
           </a:xfrm>
           <a:prstGeom prst="rect">
             <a:avLst/>
@@ -3102,7 +3102,7 @@
       </p:grpSpPr>
       <p:pic>
         <p:nvPicPr>
-          <p:cNvPr id="2" name="Picture 2"/>
+          <p:cNvPr id="14" name="Picture 2"/>
           <p:cNvPicPr>
             <a:picLocks noChangeAspect="1" noChangeArrowheads="1"/>
           </p:cNvPicPr>
@@ -3123,7 +3123,7 @@
         </p:blipFill>
         <p:spPr bwMode="auto">
           <a:xfrm>
-            <a:off x="-72000" y="-126000"/>
+            <a:off x="-34134" y="-77489"/>
             <a:ext cx="4187263" cy="7077600"/>
           </a:xfrm>
           <a:prstGeom prst="rect">
@@ -3156,7 +3156,7 @@
       </p:pic>
       <p:pic>
         <p:nvPicPr>
-          <p:cNvPr id="30" name="Picture 29"/>
+          <p:cNvPr id="15" name="Picture 29"/>
           <p:cNvPicPr>
             <a:picLocks noChangeAspect="1" noChangeArrowheads="1"/>
           </p:cNvPicPr>
@@ -3177,7 +3177,7 @@
         </p:blipFill>
         <p:spPr bwMode="auto">
           <a:xfrm>
-            <a:off x="3782378" y="-126000"/>
+            <a:off x="3820244" y="-77489"/>
             <a:ext cx="2192337" cy="2855912"/>
           </a:xfrm>
           <a:prstGeom prst="rect">
@@ -3210,7 +3210,7 @@
       </p:pic>
       <p:pic>
         <p:nvPicPr>
-          <p:cNvPr id="31" name="Picture 28"/>
+          <p:cNvPr id="16" name="Picture 28"/>
           <p:cNvPicPr>
             <a:picLocks noChangeAspect="1" noChangeArrowheads="1"/>
           </p:cNvPicPr>
@@ -3229,7 +3229,7 @@
         </p:blipFill>
         <p:spPr bwMode="auto">
           <a:xfrm>
-            <a:off x="3781834" y="2160000"/>
+            <a:off x="3819700" y="2208511"/>
             <a:ext cx="2192337" cy="2704604"/>
           </a:xfrm>
           <a:prstGeom prst="rect">
@@ -3262,7 +3262,7 @@
       </p:pic>
       <p:pic>
         <p:nvPicPr>
-          <p:cNvPr id="32" name="Picture 24"/>
+          <p:cNvPr id="17" name="Picture 24"/>
           <p:cNvPicPr>
             <a:picLocks noChangeAspect="1" noChangeArrowheads="1"/>
           </p:cNvPicPr>
@@ -3281,7 +3281,7 @@
         </p:blipFill>
         <p:spPr bwMode="auto">
           <a:xfrm>
-            <a:off x="3782378" y="4335780"/>
+            <a:off x="3820244" y="4384291"/>
             <a:ext cx="2116137" cy="2618345"/>
           </a:xfrm>
           <a:prstGeom prst="rect">
@@ -3314,14 +3314,14 @@
       </p:pic>
       <p:sp>
         <p:nvSpPr>
-          <p:cNvPr id="33" name="ZoneTexte 32"/>
+          <p:cNvPr id="18" name="ZoneTexte 17"/>
           <p:cNvSpPr txBox="1"/>
           <p:nvPr/>
         </p:nvSpPr>
         <p:spPr>
           <a:xfrm>
-            <a:off x="-71611" y="-83765"/>
-            <a:ext cx="423514" cy="461665"/>
+            <a:off x="-87695" y="-77645"/>
+            <a:ext cx="526106" cy="461665"/>
           </a:xfrm>
           <a:prstGeom prst="rect">
             <a:avLst/>
@@ -3335,11 +3335,11 @@
           <a:lstStyle/>
           <a:p>
             <a:r>
-              <a:rPr lang="fr-FR" sz="2400" dirty="0">
+              <a:rPr lang="fr-FR" sz="2400" dirty="0" smtClean="0">
                 <a:latin typeface="Times New Roman" panose="02020603050405020304" pitchFamily="18" charset="0"/>
                 <a:cs typeface="Times New Roman" panose="02020603050405020304" pitchFamily="18" charset="0"/>
               </a:rPr>
-              <a:t>a</a:t>
+              <a:t>(a</a:t>
             </a:r>
             <a:r>
               <a:rPr lang="fr-FR" sz="2400" dirty="0" smtClean="0">
@@ -3357,14 +3357,14 @@
       </p:sp>
       <p:sp>
         <p:nvSpPr>
-          <p:cNvPr id="34" name="ZoneTexte 33"/>
+          <p:cNvPr id="19" name="ZoneTexte 18"/>
           <p:cNvSpPr txBox="1"/>
           <p:nvPr/>
         </p:nvSpPr>
         <p:spPr>
           <a:xfrm>
-            <a:off x="3844744" y="-83765"/>
-            <a:ext cx="441146" cy="461665"/>
+            <a:off x="3800737" y="-77645"/>
+            <a:ext cx="543739" cy="461665"/>
           </a:xfrm>
           <a:prstGeom prst="rect">
             <a:avLst/>
@@ -3378,11 +3378,11 @@
           <a:lstStyle/>
           <a:p>
             <a:r>
-              <a:rPr lang="fr-FR" sz="2400" dirty="0">
+              <a:rPr lang="fr-FR" sz="2400" dirty="0" smtClean="0">
                 <a:latin typeface="Times New Roman" panose="02020603050405020304" pitchFamily="18" charset="0"/>
                 <a:cs typeface="Times New Roman" panose="02020603050405020304" pitchFamily="18" charset="0"/>
               </a:rPr>
-              <a:t>b</a:t>
+              <a:t>(b</a:t>
             </a:r>
             <a:r>
               <a:rPr lang="fr-FR" sz="2400" dirty="0" smtClean="0">
@@ -3400,13 +3400,13 @@
       </p:sp>
       <p:sp>
         <p:nvSpPr>
-          <p:cNvPr id="35" name="ZoneTexte 34"/>
+          <p:cNvPr id="20" name="ZoneTexte 19"/>
           <p:cNvSpPr txBox="1"/>
           <p:nvPr/>
         </p:nvSpPr>
         <p:spPr>
           <a:xfrm>
-            <a:off x="685901" y="17860"/>
+            <a:off x="723767" y="66371"/>
             <a:ext cx="628698" cy="553998"/>
           </a:xfrm>
           <a:prstGeom prst="rect">
@@ -3440,13 +3440,13 @@
       </p:sp>
       <p:sp>
         <p:nvSpPr>
-          <p:cNvPr id="36" name="ZoneTexte 35"/>
+          <p:cNvPr id="21" name="ZoneTexte 20"/>
           <p:cNvSpPr txBox="1"/>
           <p:nvPr/>
         </p:nvSpPr>
         <p:spPr>
           <a:xfrm>
-            <a:off x="685901" y="5759916"/>
+            <a:off x="723767" y="5808427"/>
             <a:ext cx="628698" cy="553998"/>
           </a:xfrm>
           <a:prstGeom prst="rect">
@@ -3480,13 +3480,13 @@
       </p:sp>
       <p:sp>
         <p:nvSpPr>
-          <p:cNvPr id="12" name="Rectangle 11"/>
+          <p:cNvPr id="22" name="Rectangle 21"/>
           <p:cNvSpPr/>
           <p:nvPr/>
         </p:nvSpPr>
         <p:spPr>
           <a:xfrm>
-            <a:off x="342389" y="4554364"/>
+            <a:off x="380255" y="4602875"/>
             <a:ext cx="72008" cy="144016"/>
           </a:xfrm>
           <a:prstGeom prst="rect">
@@ -3528,13 +3528,13 @@
       </p:sp>
       <p:sp>
         <p:nvSpPr>
-          <p:cNvPr id="13" name="Rectangle 12"/>
+          <p:cNvPr id="23" name="Rectangle 22"/>
           <p:cNvSpPr/>
           <p:nvPr/>
         </p:nvSpPr>
         <p:spPr>
           <a:xfrm>
-            <a:off x="270381" y="5994524"/>
+            <a:off x="308247" y="6043035"/>
             <a:ext cx="72008" cy="144016"/>
           </a:xfrm>
           <a:prstGeom prst="rect">
